--- a/Open Dev Framework/Docker/Session 1 - Introduction and Slides/Docker and Azure Container Service.pptx
+++ b/Open Dev Framework/Docker/Session 1 - Introduction and Slides/Docker and Azure Container Service.pptx
@@ -6,7 +6,7 @@
     <p:sldMasterId id="2147483663" r:id="rId2"/>
   </p:sldMasterIdLst>
   <p:notesMasterIdLst>
-    <p:notesMasterId r:id="rId14"/>
+    <p:notesMasterId r:id="rId17"/>
   </p:notesMasterIdLst>
   <p:sldIdLst>
     <p:sldId id="256" r:id="rId3"/>
@@ -17,9 +17,12 @@
     <p:sldId id="315" r:id="rId8"/>
     <p:sldId id="316" r:id="rId9"/>
     <p:sldId id="309" r:id="rId10"/>
-    <p:sldId id="311" r:id="rId11"/>
-    <p:sldId id="317" r:id="rId12"/>
-    <p:sldId id="299" r:id="rId13"/>
+    <p:sldId id="322" r:id="rId11"/>
+    <p:sldId id="318" r:id="rId12"/>
+    <p:sldId id="319" r:id="rId13"/>
+    <p:sldId id="320" r:id="rId14"/>
+    <p:sldId id="321" r:id="rId15"/>
+    <p:sldId id="299" r:id="rId16"/>
   </p:sldIdLst>
   <p:sldSz cx="12192000" cy="6858000"/>
   <p:notesSz cx="6858000" cy="9144000"/>
@@ -208,7 +211,7 @@
           <a:p>
             <a:fld id="{49B60EF2-7028-489F-85D8-FE86CD7CF2A0}" type="datetimeFigureOut">
               <a:rPr lang="en-US" smtClean="0"/>
-              <a:t>10/1/2016</a:t>
+              <a:t>3/26/2017</a:t>
             </a:fld>
             <a:endParaRPr lang="en-US"/>
           </a:p>
@@ -603,25 +606,98 @@
           <a:bodyPr/>
           <a:lstStyle/>
           <a:p>
-            <a:pPr marL="0" marR="0" lvl="0" indent="0" algn="l" defTabSz="914400" rtl="0" eaLnBrk="1" fontAlgn="auto" latinLnBrk="0" hangingPunct="1">
-              <a:lnSpc>
-                <a:spcPct val="100000"/>
-              </a:lnSpc>
-              <a:spcBef>
-                <a:spcPts val="0"/>
-              </a:spcBef>
-              <a:spcAft>
-                <a:spcPts val="0"/>
-              </a:spcAft>
-              <a:buClrTx/>
-              <a:buSzTx/>
-              <a:buFontTx/>
-              <a:buNone/>
-              <a:tabLst/>
-              <a:defRPr/>
-            </a:pPr>
-            <a:r>
-              <a:rPr lang="en-US" sz="1200" b="0" i="0" kern="1200" dirty="0" smtClean="0">
+            <a:r>
+              <a:rPr lang="en-US" dirty="0"/>
+              <a:t>A container cluster is intended to have redundancy for load balancing, scalability, and high availability.  A cluster is composed of one or more Master Nodes which control the orchestration for scaling and delegation of tasks to the agents as well as provide monitoring. The Agent Nodes actually run the container loads.</a:t>
+            </a:r>
+          </a:p>
+          <a:p>
+            <a:endParaRPr lang="en-US" dirty="0"/>
+          </a:p>
+        </p:txBody>
+      </p:sp>
+      <p:sp>
+        <p:nvSpPr>
+          <p:cNvPr id="4" name="Slide Number Placeholder 3"/>
+          <p:cNvSpPr>
+            <a:spLocks noGrp="1"/>
+          </p:cNvSpPr>
+          <p:nvPr>
+            <p:ph type="sldNum" sz="quarter" idx="10"/>
+          </p:nvPr>
+        </p:nvSpPr>
+        <p:spPr/>
+        <p:txBody>
+          <a:bodyPr/>
+          <a:lstStyle/>
+          <a:p>
+            <a:fld id="{01283FAC-A721-45A3-BBDE-EAF2B09B7CD9}" type="slidenum">
+              <a:rPr lang="en-US" smtClean="0"/>
+              <a:t>10</a:t>
+            </a:fld>
+            <a:endParaRPr lang="en-US"/>
+          </a:p>
+        </p:txBody>
+      </p:sp>
+    </p:spTree>
+    <p:extLst>
+      <p:ext uri="{BB962C8B-B14F-4D97-AF65-F5344CB8AC3E}">
+        <p14:creationId xmlns:p14="http://schemas.microsoft.com/office/powerpoint/2010/main" val="4003806142"/>
+      </p:ext>
+    </p:extLst>
+  </p:cSld>
+  <p:clrMapOvr>
+    <a:masterClrMapping/>
+  </p:clrMapOvr>
+</p:notes>
+</file>
+
+<file path=ppt/notesSlides/notesSlide11.xml><?xml version="1.0" encoding="utf-8"?>
+<p:notes xmlns:a="http://schemas.openxmlformats.org/drawingml/2006/main" xmlns:r="http://schemas.openxmlformats.org/officeDocument/2006/relationships" xmlns:p="http://schemas.openxmlformats.org/presentationml/2006/main">
+  <p:cSld>
+    <p:spTree>
+      <p:nvGrpSpPr>
+        <p:cNvPr id="1" name=""/>
+        <p:cNvGrpSpPr/>
+        <p:nvPr/>
+      </p:nvGrpSpPr>
+      <p:grpSpPr>
+        <a:xfrm>
+          <a:off x="0" y="0"/>
+          <a:ext cx="0" cy="0"/>
+          <a:chOff x="0" y="0"/>
+          <a:chExt cx="0" cy="0"/>
+        </a:xfrm>
+      </p:grpSpPr>
+      <p:sp>
+        <p:nvSpPr>
+          <p:cNvPr id="2" name="Slide Image Placeholder 1"/>
+          <p:cNvSpPr>
+            <a:spLocks noGrp="1" noRot="1" noChangeAspect="1"/>
+          </p:cNvSpPr>
+          <p:nvPr>
+            <p:ph type="sldImg"/>
+          </p:nvPr>
+        </p:nvSpPr>
+        <p:spPr/>
+      </p:sp>
+      <p:sp>
+        <p:nvSpPr>
+          <p:cNvPr id="3" name="Notes Placeholder 2"/>
+          <p:cNvSpPr>
+            <a:spLocks noGrp="1"/>
+          </p:cNvSpPr>
+          <p:nvPr>
+            <p:ph type="body" idx="1"/>
+          </p:nvPr>
+        </p:nvSpPr>
+        <p:spPr/>
+        <p:txBody>
+          <a:bodyPr/>
+          <a:lstStyle/>
+          <a:p>
+            <a:r>
+              <a:rPr lang="en-US" sz="1200" b="0" i="0" kern="1200" dirty="0">
                 <a:solidFill>
                   <a:schemeClr val="tx1"/>
                 </a:solidFill>
@@ -630,10 +706,12 @@
                 <a:ea typeface="+mn-ea"/>
                 <a:cs typeface="+mn-cs"/>
               </a:rPr>
-              <a:t>This command works</a:t>
-            </a:r>
-            <a:r>
-              <a:rPr lang="en-US" sz="1200" b="0" i="0" kern="1200" baseline="0" dirty="0" smtClean="0">
+              <a:t>Kubernetes is an open-source platform for automating deployment, scaling, and operations of application containers across clusters of hosts, providing container-centric infrastructure.</a:t>
+            </a:r>
+          </a:p>
+          <a:p>
+            <a:r>
+              <a:rPr lang="en-US" sz="1200" b="0" i="0" kern="1200" dirty="0">
                 <a:solidFill>
                   <a:schemeClr val="tx1"/>
                 </a:solidFill>
@@ -642,10 +720,10 @@
                 <a:ea typeface="+mn-ea"/>
                 <a:cs typeface="+mn-cs"/>
               </a:rPr>
-              <a:t> in a terminal window on OS X or Linux. (Windows users need to use a third-party SSH tool such as </a:t>
-            </a:r>
-            <a:r>
-              <a:rPr lang="en-US" sz="1200" b="0" i="0" kern="1200" baseline="0" dirty="0" err="1" smtClean="0">
+              <a:t>With Kubernetes, you are able to quickly and efficiently respond to customer demand:</a:t>
+            </a:r>
+            <a:br>
+              <a:rPr lang="en-US" sz="1200" b="0" i="0" kern="1200" dirty="0">
                 <a:solidFill>
                   <a:schemeClr val="tx1"/>
                 </a:solidFill>
@@ -654,10 +732,24 @@
                 <a:ea typeface="+mn-ea"/>
                 <a:cs typeface="+mn-cs"/>
               </a:rPr>
-              <a:t>PuTTY</a:t>
-            </a:r>
-            <a:r>
-              <a:rPr lang="en-US" sz="1200" b="0" i="0" kern="1200" baseline="0" dirty="0" smtClean="0">
+            </a:br>
+            <a:endParaRPr lang="en-US" sz="1200" b="0" i="0" kern="1200" dirty="0">
+              <a:solidFill>
+                <a:schemeClr val="tx1"/>
+              </a:solidFill>
+              <a:effectLst/>
+              <a:latin typeface="+mn-lt"/>
+              <a:ea typeface="+mn-ea"/>
+              <a:cs typeface="+mn-cs"/>
+            </a:endParaRPr>
+          </a:p>
+          <a:p>
+            <a:pPr marL="171450" indent="-171450">
+              <a:buFont typeface="Arial" panose="020B0604020202020204" pitchFamily="34" charset="0"/>
+              <a:buChar char="•"/>
+            </a:pPr>
+            <a:r>
+              <a:rPr lang="en-US" sz="1200" b="0" i="0" kern="1200" dirty="0">
                 <a:solidFill>
                   <a:schemeClr val="tx1"/>
                 </a:solidFill>
@@ -666,10 +758,16 @@
                 <a:ea typeface="+mn-ea"/>
                 <a:cs typeface="+mn-cs"/>
               </a:rPr>
-              <a:t>.) </a:t>
-            </a:r>
-            <a:r>
-              <a:rPr lang="en-US" sz="1200" b="0" i="0" kern="1200" dirty="0" smtClean="0">
+              <a:t>Deploy your applications quickly and predictably.</a:t>
+            </a:r>
+          </a:p>
+          <a:p>
+            <a:pPr marL="171450" indent="-171450">
+              <a:buFont typeface="Arial" panose="020B0604020202020204" pitchFamily="34" charset="0"/>
+              <a:buChar char="•"/>
+            </a:pPr>
+            <a:r>
+              <a:rPr lang="en-US" sz="1200" b="0" i="0" kern="1200" dirty="0">
                 <a:solidFill>
                   <a:schemeClr val="tx1"/>
                 </a:solidFill>
@@ -678,10 +776,16 @@
                 <a:ea typeface="+mn-ea"/>
                 <a:cs typeface="+mn-cs"/>
               </a:rPr>
-              <a:t>The purpose of the -L switch is to forward traffic transmitted through port 22375 on the local machine (that's the port used by the</a:t>
-            </a:r>
-            <a:r>
-              <a:rPr lang="en-US" sz="1200" b="0" i="0" kern="1200" baseline="0" dirty="0" smtClean="0">
+              <a:t>Scale your applications on the fly.</a:t>
+            </a:r>
+          </a:p>
+          <a:p>
+            <a:pPr marL="171450" indent="-171450">
+              <a:buFont typeface="Arial" panose="020B0604020202020204" pitchFamily="34" charset="0"/>
+              <a:buChar char="•"/>
+            </a:pPr>
+            <a:r>
+              <a:rPr lang="en-US" sz="1200" b="0" i="0" kern="1200" dirty="0">
                 <a:solidFill>
                   <a:schemeClr val="tx1"/>
                 </a:solidFill>
@@ -690,10 +794,16 @@
                 <a:ea typeface="+mn-ea"/>
                 <a:cs typeface="+mn-cs"/>
               </a:rPr>
-              <a:t> Docker</a:t>
-            </a:r>
-            <a:r>
-              <a:rPr lang="en-US" sz="1200" b="0" i="0" kern="1200" dirty="0" smtClean="0">
+              <a:t>Seamlessly roll out new features.</a:t>
+            </a:r>
+          </a:p>
+          <a:p>
+            <a:pPr marL="171450" indent="-171450">
+              <a:buFont typeface="Arial" panose="020B0604020202020204" pitchFamily="34" charset="0"/>
+              <a:buChar char="•"/>
+            </a:pPr>
+            <a:r>
+              <a:rPr lang="en-US" sz="1200" b="0" i="0" kern="1200" dirty="0">
                 <a:solidFill>
                   <a:schemeClr val="tx1"/>
                 </a:solidFill>
@@ -702,9 +812,11 @@
                 <a:ea typeface="+mn-ea"/>
                 <a:cs typeface="+mn-cs"/>
               </a:rPr>
-              <a:t> CLI) to port 2375 at the other end. Docker Swarm listens on port 2375. The -p switch instructs SSH to use port 2200 rather than the default 22. The load balancer you're connecting to listens on port 2200 and forwards the SSH messages it receives to port 22 on the master VM.</a:t>
-            </a:r>
-            <a:endParaRPr lang="en-US" dirty="0" smtClean="0"/>
+              <a:t>Optimize use of your hardware by using only the resources you need. </a:t>
+            </a:r>
+          </a:p>
+          <a:p>
+            <a:endParaRPr lang="en-US" dirty="0"/>
           </a:p>
         </p:txBody>
       </p:sp>
@@ -725,7 +837,7 @@
           <a:p>
             <a:fld id="{01283FAC-A721-45A3-BBDE-EAF2B09B7CD9}" type="slidenum">
               <a:rPr lang="en-US" smtClean="0"/>
-              <a:t>10</a:t>
+              <a:t>11</a:t>
             </a:fld>
             <a:endParaRPr lang="en-US"/>
           </a:p>
@@ -734,7 +846,245 @@
     </p:spTree>
     <p:extLst>
       <p:ext uri="{BB962C8B-B14F-4D97-AF65-F5344CB8AC3E}">
-        <p14:creationId xmlns:p14="http://schemas.microsoft.com/office/powerpoint/2010/main" val="3975244300"/>
+        <p14:creationId xmlns:p14="http://schemas.microsoft.com/office/powerpoint/2010/main" val="1654673030"/>
+      </p:ext>
+    </p:extLst>
+  </p:cSld>
+  <p:clrMapOvr>
+    <a:masterClrMapping/>
+  </p:clrMapOvr>
+</p:notes>
+</file>
+
+<file path=ppt/notesSlides/notesSlide12.xml><?xml version="1.0" encoding="utf-8"?>
+<p:notes xmlns:a="http://schemas.openxmlformats.org/drawingml/2006/main" xmlns:r="http://schemas.openxmlformats.org/officeDocument/2006/relationships" xmlns:p="http://schemas.openxmlformats.org/presentationml/2006/main">
+  <p:cSld>
+    <p:spTree>
+      <p:nvGrpSpPr>
+        <p:cNvPr id="1" name=""/>
+        <p:cNvGrpSpPr/>
+        <p:nvPr/>
+      </p:nvGrpSpPr>
+      <p:grpSpPr>
+        <a:xfrm>
+          <a:off x="0" y="0"/>
+          <a:ext cx="0" cy="0"/>
+          <a:chOff x="0" y="0"/>
+          <a:chExt cx="0" cy="0"/>
+        </a:xfrm>
+      </p:grpSpPr>
+      <p:sp>
+        <p:nvSpPr>
+          <p:cNvPr id="2" name="Slide Image Placeholder 1"/>
+          <p:cNvSpPr>
+            <a:spLocks noGrp="1" noRot="1" noChangeAspect="1"/>
+          </p:cNvSpPr>
+          <p:nvPr>
+            <p:ph type="sldImg"/>
+          </p:nvPr>
+        </p:nvSpPr>
+        <p:spPr/>
+      </p:sp>
+      <p:sp>
+        <p:nvSpPr>
+          <p:cNvPr id="3" name="Notes Placeholder 2"/>
+          <p:cNvSpPr>
+            <a:spLocks noGrp="1"/>
+          </p:cNvSpPr>
+          <p:nvPr>
+            <p:ph type="body" idx="1"/>
+          </p:nvPr>
+        </p:nvSpPr>
+        <p:spPr/>
+        <p:txBody>
+          <a:bodyPr/>
+          <a:lstStyle/>
+          <a:p>
+            <a:r>
+              <a:rPr lang="en-US" sz="1200" b="0" i="0" kern="1200" dirty="0">
+                <a:solidFill>
+                  <a:schemeClr val="tx1"/>
+                </a:solidFill>
+                <a:effectLst/>
+                <a:latin typeface="+mn-lt"/>
+                <a:ea typeface="+mn-ea"/>
+                <a:cs typeface="+mn-cs"/>
+              </a:rPr>
+              <a:t>Datacenter Operating System is, as the name implies, an operating system for </a:t>
+            </a:r>
+            <a:r>
+              <a:rPr lang="en-US" sz="1200" b="0" i="0" kern="1200" dirty="0" err="1">
+                <a:solidFill>
+                  <a:schemeClr val="tx1"/>
+                </a:solidFill>
+                <a:effectLst/>
+                <a:latin typeface="+mn-lt"/>
+                <a:ea typeface="+mn-ea"/>
+                <a:cs typeface="+mn-cs"/>
+              </a:rPr>
+              <a:t>for</a:t>
+            </a:r>
+            <a:r>
+              <a:rPr lang="en-US" sz="1200" b="0" i="0" kern="1200" dirty="0">
+                <a:solidFill>
+                  <a:schemeClr val="tx1"/>
+                </a:solidFill>
+                <a:effectLst/>
+                <a:latin typeface="+mn-lt"/>
+                <a:ea typeface="+mn-ea"/>
+                <a:cs typeface="+mn-cs"/>
+              </a:rPr>
+              <a:t> a datacenter rather than for a </a:t>
+            </a:r>
+            <a:r>
+              <a:rPr lang="en-US" sz="1200" b="0" i="0" kern="1200" dirty="0" err="1">
+                <a:solidFill>
+                  <a:schemeClr val="tx1"/>
+                </a:solidFill>
+                <a:effectLst/>
+                <a:latin typeface="+mn-lt"/>
+                <a:ea typeface="+mn-ea"/>
+                <a:cs typeface="+mn-cs"/>
+              </a:rPr>
+              <a:t>phyiscal</a:t>
+            </a:r>
+            <a:r>
+              <a:rPr lang="en-US" sz="1200" b="0" i="0" kern="1200" dirty="0">
+                <a:solidFill>
+                  <a:schemeClr val="tx1"/>
+                </a:solidFill>
+                <a:effectLst/>
+                <a:latin typeface="+mn-lt"/>
+                <a:ea typeface="+mn-ea"/>
+                <a:cs typeface="+mn-cs"/>
+              </a:rPr>
+              <a:t> of virtual machine. DC/OS abstracts away the underlying hardware from applications and provides much of the needed infrastructure that would otherwise come from multiple disparate services on traditional networks. This enables operations and developers alike to deploy and maintain applications in a uniform fashion with less time and resources spent monitoring the supporting network and network services for those applications.</a:t>
+            </a:r>
+          </a:p>
+        </p:txBody>
+      </p:sp>
+      <p:sp>
+        <p:nvSpPr>
+          <p:cNvPr id="4" name="Slide Number Placeholder 3"/>
+          <p:cNvSpPr>
+            <a:spLocks noGrp="1"/>
+          </p:cNvSpPr>
+          <p:nvPr>
+            <p:ph type="sldNum" sz="quarter" idx="10"/>
+          </p:nvPr>
+        </p:nvSpPr>
+        <p:spPr/>
+        <p:txBody>
+          <a:bodyPr/>
+          <a:lstStyle/>
+          <a:p>
+            <a:fld id="{01283FAC-A721-45A3-BBDE-EAF2B09B7CD9}" type="slidenum">
+              <a:rPr lang="en-US" smtClean="0"/>
+              <a:t>12</a:t>
+            </a:fld>
+            <a:endParaRPr lang="en-US"/>
+          </a:p>
+        </p:txBody>
+      </p:sp>
+    </p:spTree>
+    <p:extLst>
+      <p:ext uri="{BB962C8B-B14F-4D97-AF65-F5344CB8AC3E}">
+        <p14:creationId xmlns:p14="http://schemas.microsoft.com/office/powerpoint/2010/main" val="632511136"/>
+      </p:ext>
+    </p:extLst>
+  </p:cSld>
+  <p:clrMapOvr>
+    <a:masterClrMapping/>
+  </p:clrMapOvr>
+</p:notes>
+</file>
+
+<file path=ppt/notesSlides/notesSlide13.xml><?xml version="1.0" encoding="utf-8"?>
+<p:notes xmlns:a="http://schemas.openxmlformats.org/drawingml/2006/main" xmlns:r="http://schemas.openxmlformats.org/officeDocument/2006/relationships" xmlns:p="http://schemas.openxmlformats.org/presentationml/2006/main">
+  <p:cSld>
+    <p:spTree>
+      <p:nvGrpSpPr>
+        <p:cNvPr id="1" name=""/>
+        <p:cNvGrpSpPr/>
+        <p:nvPr/>
+      </p:nvGrpSpPr>
+      <p:grpSpPr>
+        <a:xfrm>
+          <a:off x="0" y="0"/>
+          <a:ext cx="0" cy="0"/>
+          <a:chOff x="0" y="0"/>
+          <a:chExt cx="0" cy="0"/>
+        </a:xfrm>
+      </p:grpSpPr>
+      <p:sp>
+        <p:nvSpPr>
+          <p:cNvPr id="2" name="Slide Image Placeholder 1"/>
+          <p:cNvSpPr>
+            <a:spLocks noGrp="1" noRot="1" noChangeAspect="1"/>
+          </p:cNvSpPr>
+          <p:nvPr>
+            <p:ph type="sldImg"/>
+          </p:nvPr>
+        </p:nvSpPr>
+        <p:spPr/>
+      </p:sp>
+      <p:sp>
+        <p:nvSpPr>
+          <p:cNvPr id="3" name="Notes Placeholder 2"/>
+          <p:cNvSpPr>
+            <a:spLocks noGrp="1"/>
+          </p:cNvSpPr>
+          <p:nvPr>
+            <p:ph type="body" idx="1"/>
+          </p:nvPr>
+        </p:nvSpPr>
+        <p:spPr/>
+        <p:txBody>
+          <a:bodyPr/>
+          <a:lstStyle/>
+          <a:p>
+            <a:r>
+              <a:rPr lang="en-US" sz="1200" b="0" i="0" kern="1200" dirty="0">
+                <a:solidFill>
+                  <a:schemeClr val="tx1"/>
+                </a:solidFill>
+                <a:effectLst/>
+                <a:latin typeface="+mn-lt"/>
+                <a:ea typeface="+mn-ea"/>
+                <a:cs typeface="+mn-cs"/>
+              </a:rPr>
+              <a:t>Docker Swarm is the orchestration engine from Docker. It has tight integration with Docker, so many of the same paradigms and tools that used with Swarm seamlessly as well as some additional features like overlay networks and Docker services that can run multiple containers spread across multiple hosts. These containers can seamlessly communicate and rapidly scale.</a:t>
+            </a:r>
+          </a:p>
+        </p:txBody>
+      </p:sp>
+      <p:sp>
+        <p:nvSpPr>
+          <p:cNvPr id="4" name="Slide Number Placeholder 3"/>
+          <p:cNvSpPr>
+            <a:spLocks noGrp="1"/>
+          </p:cNvSpPr>
+          <p:nvPr>
+            <p:ph type="sldNum" sz="quarter" idx="10"/>
+          </p:nvPr>
+        </p:nvSpPr>
+        <p:spPr/>
+        <p:txBody>
+          <a:bodyPr/>
+          <a:lstStyle/>
+          <a:p>
+            <a:fld id="{01283FAC-A721-45A3-BBDE-EAF2B09B7CD9}" type="slidenum">
+              <a:rPr lang="en-US" smtClean="0"/>
+              <a:t>13</a:t>
+            </a:fld>
+            <a:endParaRPr lang="en-US"/>
+          </a:p>
+        </p:txBody>
+      </p:sp>
+    </p:spTree>
+    <p:extLst>
+      <p:ext uri="{BB962C8B-B14F-4D97-AF65-F5344CB8AC3E}">
+        <p14:creationId xmlns:p14="http://schemas.microsoft.com/office/powerpoint/2010/main" val="69041710"/>
       </p:ext>
     </p:extLst>
   </p:cSld>
@@ -1680,14 +2030,25 @@
           <a:lstStyle/>
           <a:p>
             <a:r>
+              <a:rPr lang="en-US" dirty="0"/>
+              <a:t>Orchestration in the context of containers is the deployment and management of containers across infrastructure and networks. It provides the tools and software defined infrastructure needed to deploy containers. Containers by design are intended to be deployed in large volumes with some applications using dozen to even thousands of </a:t>
+            </a:r>
+            <a:r>
               <a:rPr lang="en-US" dirty="0" smtClean="0"/>
-              <a:t>Here's what happens in Azure</a:t>
+              <a:t>containers.</a:t>
             </a:r>
             <a:r>
               <a:rPr lang="en-US" baseline="0" dirty="0" smtClean="0"/>
-              <a:t> when you create an Azure Container Service with Docker Swarm as the orchestrator. Azure creates one or more master VMs to control the "swarm" of containers, as well as a Virtual Machine Scale Set, which provides the "agent" VMs in which containers run. All these VMs communicate over a private virtual network. To communicate with Docker Swarm in a master VM from a Docker client running on a local machine, you establish an SSH tunnel that forwards the local port 22375 to port 2375 in the VM (via SSH port 2200). This allows you to execute local commands that load container images and run containers in the cloud. Docker Swarm manages the container instances in the agent VMs as well as the agent VMs themselves. You don't have to know this to use Azure Container Service, but it does help explain various port forwarding commands that you employ when running the Docker client on a local machine connected to Azure.</a:t>
-            </a:r>
-            <a:endParaRPr lang="en-US" dirty="0"/>
+              <a:t> </a:t>
+            </a:r>
+            <a:r>
+              <a:rPr lang="en-US" dirty="0" smtClean="0"/>
+              <a:t>With </a:t>
+            </a:r>
+            <a:r>
+              <a:rPr lang="en-US" dirty="0"/>
+              <a:t>this type of scale, automating deployment and management of containers with Orchestration Software becomes necessary.</a:t>
+            </a:r>
           </a:p>
         </p:txBody>
       </p:sp>
@@ -1717,7 +2078,7 @@
     </p:spTree>
     <p:extLst>
       <p:ext uri="{BB962C8B-B14F-4D97-AF65-F5344CB8AC3E}">
-        <p14:creationId xmlns:p14="http://schemas.microsoft.com/office/powerpoint/2010/main" val="2302495390"/>
+        <p14:creationId xmlns:p14="http://schemas.microsoft.com/office/powerpoint/2010/main" val="301516226"/>
       </p:ext>
     </p:extLst>
   </p:cSld>
@@ -1874,7 +2235,7 @@
           <a:p>
             <a:fld id="{0459C166-16D3-4A25-A2F8-C51E0E346B22}" type="datetimeFigureOut">
               <a:rPr lang="en-US" smtClean="0"/>
-              <a:t>10/1/2016</a:t>
+              <a:t>3/26/2017</a:t>
             </a:fld>
             <a:endParaRPr lang="en-US"/>
           </a:p>
@@ -1969,7 +2330,7 @@
           <a:p>
             <a:fld id="{0459C166-16D3-4A25-A2F8-C51E0E346B22}" type="datetimeFigureOut">
               <a:rPr lang="en-US" smtClean="0"/>
-              <a:t>10/1/2016</a:t>
+              <a:t>3/26/2017</a:t>
             </a:fld>
             <a:endParaRPr lang="en-US"/>
           </a:p>
@@ -2244,7 +2605,7 @@
           <a:p>
             <a:fld id="{0459C166-16D3-4A25-A2F8-C51E0E346B22}" type="datetimeFigureOut">
               <a:rPr lang="en-US" smtClean="0"/>
-              <a:t>10/1/2016</a:t>
+              <a:t>3/26/2017</a:t>
             </a:fld>
             <a:endParaRPr lang="en-US"/>
           </a:p>
@@ -2496,7 +2857,7 @@
           <a:p>
             <a:fld id="{0459C166-16D3-4A25-A2F8-C51E0E346B22}" type="datetimeFigureOut">
               <a:rPr lang="en-US" smtClean="0"/>
-              <a:t>10/1/2016</a:t>
+              <a:t>3/26/2017</a:t>
             </a:fld>
             <a:endParaRPr lang="en-US"/>
           </a:p>
@@ -2664,7 +3025,7 @@
           <a:p>
             <a:fld id="{0459C166-16D3-4A25-A2F8-C51E0E346B22}" type="datetimeFigureOut">
               <a:rPr lang="en-US" smtClean="0"/>
-              <a:t>10/1/2016</a:t>
+              <a:t>3/26/2017</a:t>
             </a:fld>
             <a:endParaRPr lang="en-US"/>
           </a:p>
@@ -2842,7 +3203,7 @@
           <a:p>
             <a:fld id="{0459C166-16D3-4A25-A2F8-C51E0E346B22}" type="datetimeFigureOut">
               <a:rPr lang="en-US" smtClean="0"/>
-              <a:t>10/1/2016</a:t>
+              <a:t>3/26/2017</a:t>
             </a:fld>
             <a:endParaRPr lang="en-US"/>
           </a:p>
@@ -4769,7 +5130,7 @@
           <a:p>
             <a:fld id="{0459C166-16D3-4A25-A2F8-C51E0E346B22}" type="datetimeFigureOut">
               <a:rPr lang="en-US" smtClean="0"/>
-              <a:t>10/1/2016</a:t>
+              <a:t>3/26/2017</a:t>
             </a:fld>
             <a:endParaRPr lang="en-US"/>
           </a:p>
@@ -10396,7 +10757,7 @@
             <a:fld id="{0459C166-16D3-4A25-A2F8-C51E0E346B22}" type="datetimeFigureOut">
               <a:rPr lang="en-US" smtClean="0"/>
               <a:pPr/>
-              <a:t>10/1/2016</a:t>
+              <a:t>3/26/2017</a:t>
             </a:fld>
             <a:endParaRPr lang="en-US"/>
           </a:p>
@@ -14458,7 +14819,7 @@
           <a:p>
             <a:fld id="{0459C166-16D3-4A25-A2F8-C51E0E346B22}" type="datetimeFigureOut">
               <a:rPr lang="en-US" smtClean="0"/>
-              <a:t>10/1/2016</a:t>
+              <a:t>3/26/2017</a:t>
             </a:fld>
             <a:endParaRPr lang="en-US"/>
           </a:p>
@@ -14822,7 +15183,7 @@
           <a:p>
             <a:fld id="{0459C166-16D3-4A25-A2F8-C51E0E346B22}" type="datetimeFigureOut">
               <a:rPr lang="en-US" smtClean="0"/>
-              <a:t>10/1/2016</a:t>
+              <a:t>3/26/2017</a:t>
             </a:fld>
             <a:endParaRPr lang="en-US"/>
           </a:p>
@@ -14939,7 +15300,7 @@
           <a:p>
             <a:fld id="{0459C166-16D3-4A25-A2F8-C51E0E346B22}" type="datetimeFigureOut">
               <a:rPr lang="en-US" smtClean="0"/>
-              <a:t>10/1/2016</a:t>
+              <a:t>3/26/2017</a:t>
             </a:fld>
             <a:endParaRPr lang="en-US"/>
           </a:p>
@@ -15150,7 +15511,7 @@
           <a:p>
             <a:fld id="{0459C166-16D3-4A25-A2F8-C51E0E346B22}" type="datetimeFigureOut">
               <a:rPr lang="en-US" smtClean="0"/>
-              <a:t>10/1/2016</a:t>
+              <a:t>3/26/2017</a:t>
             </a:fld>
             <a:endParaRPr lang="en-US"/>
           </a:p>
@@ -16546,10 +16907,9 @@
           <a:lstStyle/>
           <a:p>
             <a:r>
-              <a:rPr lang="en-US" dirty="0" smtClean="0"/>
-              <a:t>Connecting to Docker Swarm in ACS</a:t>
-            </a:r>
-            <a:endParaRPr lang="en-US" dirty="0"/>
+              <a:rPr lang="en-US" dirty="0"/>
+              <a:t>Container Clusters</a:t>
+            </a:r>
           </a:p>
         </p:txBody>
       </p:sp>
@@ -16563,413 +16923,123 @@
             <p:ph idx="1"/>
           </p:nvPr>
         </p:nvSpPr>
-        <p:spPr/>
-        <p:txBody>
-          <a:bodyPr/>
-          <a:lstStyle/>
-          <a:p>
-            <a:r>
-              <a:rPr lang="en-US" dirty="0"/>
-              <a:t>Establish SSH tunnel to master load balancer</a:t>
-            </a:r>
-          </a:p>
-          <a:p>
-            <a:r>
-              <a:rPr lang="en-US" dirty="0"/>
-              <a:t>Use port forwarding to forward local Docker commands to Docker daemon on master </a:t>
-            </a:r>
-            <a:r>
-              <a:rPr lang="en-US" dirty="0" smtClean="0"/>
-              <a:t>LB</a:t>
-            </a:r>
-            <a:endParaRPr lang="en-US" dirty="0"/>
-          </a:p>
-        </p:txBody>
-      </p:sp>
-      <p:sp>
-        <p:nvSpPr>
-          <p:cNvPr id="4" name="TextBox 3"/>
-          <p:cNvSpPr txBox="1"/>
-          <p:nvPr/>
-        </p:nvSpPr>
         <p:spPr>
           <a:xfrm>
-            <a:off x="519249" y="3769111"/>
-            <a:ext cx="11169724" cy="398571"/>
+            <a:off x="838200" y="1825625"/>
+            <a:ext cx="10515600" cy="2079292"/>
+          </a:xfrm>
+        </p:spPr>
+        <p:txBody>
+          <a:bodyPr>
+            <a:normAutofit/>
+          </a:bodyPr>
+          <a:lstStyle/>
+          <a:p>
+            <a:r>
+              <a:rPr lang="en-US" dirty="0" smtClean="0"/>
+              <a:t>Facilitate load </a:t>
+            </a:r>
+            <a:r>
+              <a:rPr lang="en-US" dirty="0"/>
+              <a:t>balancing, scalability, and high </a:t>
+            </a:r>
+            <a:r>
+              <a:rPr lang="en-US" dirty="0" smtClean="0"/>
+              <a:t>availability</a:t>
+            </a:r>
+            <a:endParaRPr lang="en-US" dirty="0"/>
+          </a:p>
+          <a:p>
+            <a:r>
+              <a:rPr lang="en-US" dirty="0"/>
+              <a:t>A cluster is composed of </a:t>
+            </a:r>
+            <a:r>
+              <a:rPr lang="en-US" dirty="0" smtClean="0"/>
+              <a:t>master </a:t>
+            </a:r>
+            <a:r>
+              <a:rPr lang="en-US" dirty="0"/>
+              <a:t>n</a:t>
+            </a:r>
+            <a:r>
+              <a:rPr lang="en-US" dirty="0" smtClean="0"/>
+              <a:t>odes </a:t>
+            </a:r>
+            <a:r>
+              <a:rPr lang="en-US" dirty="0"/>
+              <a:t>which control the </a:t>
+            </a:r>
+            <a:r>
+              <a:rPr lang="en-US" dirty="0" smtClean="0"/>
+              <a:t>orchestration, </a:t>
+            </a:r>
+            <a:r>
+              <a:rPr lang="en-US" dirty="0"/>
+              <a:t>and </a:t>
+            </a:r>
+            <a:r>
+              <a:rPr lang="en-US" dirty="0" smtClean="0"/>
+              <a:t>agent nodes </a:t>
+            </a:r>
+            <a:r>
+              <a:rPr lang="en-US" dirty="0"/>
+              <a:t>that </a:t>
+            </a:r>
+            <a:r>
+              <a:rPr lang="en-US" dirty="0" smtClean="0"/>
+              <a:t>host</a:t>
+            </a:r>
+            <a:r>
+              <a:rPr lang="en-US" dirty="0" smtClean="0"/>
+              <a:t> </a:t>
+            </a:r>
+            <a:r>
+              <a:rPr lang="en-US" dirty="0"/>
+              <a:t>the </a:t>
+            </a:r>
+            <a:r>
+              <a:rPr lang="en-US" dirty="0" smtClean="0"/>
+              <a:t>containers</a:t>
+            </a:r>
+            <a:endParaRPr lang="en-US" dirty="0"/>
+          </a:p>
+        </p:txBody>
+      </p:sp>
+      <p:pic>
+        <p:nvPicPr>
+          <p:cNvPr id="5" name="Picture 4"/>
+          <p:cNvPicPr>
+            <a:picLocks noChangeAspect="1"/>
+          </p:cNvPicPr>
+          <p:nvPr/>
+        </p:nvPicPr>
+        <p:blipFill>
+          <a:blip r:embed="rId3">
+            <a:extLst>
+              <a:ext uri="{28A0092B-C50C-407E-A947-70E740481C1C}">
+                <a14:useLocalDpi xmlns:a14="http://schemas.microsoft.com/office/drawing/2010/main" val="0"/>
+              </a:ext>
+            </a:extLst>
+          </a:blip>
+          <a:stretch>
+            <a:fillRect/>
+          </a:stretch>
+        </p:blipFill>
+        <p:spPr>
+          <a:xfrm>
+            <a:off x="3281362" y="3425415"/>
+            <a:ext cx="5629275" cy="2790825"/>
           </a:xfrm>
           <a:prstGeom prst="rect">
             <a:avLst/>
           </a:prstGeom>
-          <a:noFill/>
         </p:spPr>
-        <p:txBody>
-          <a:bodyPr wrap="none" lIns="0" tIns="0" rIns="0" bIns="0" rtlCol="0">
-            <a:spAutoFit/>
-          </a:bodyPr>
-          <a:lstStyle/>
-          <a:p>
-            <a:pPr>
-              <a:lnSpc>
-                <a:spcPct val="90000"/>
-              </a:lnSpc>
-              <a:spcBef>
-                <a:spcPct val="20000"/>
-              </a:spcBef>
-              <a:buSzPct val="80000"/>
-            </a:pPr>
-            <a:r>
-              <a:rPr lang="de-DE" sz="2800" b="1" dirty="0" smtClean="0">
-                <a:latin typeface="Courier New" panose="02070309020205020404" pitchFamily="49" charset="0"/>
-                <a:cs typeface="Courier New" panose="02070309020205020404" pitchFamily="49" charset="0"/>
-              </a:rPr>
-              <a:t>ssh </a:t>
-            </a:r>
-            <a:r>
-              <a:rPr lang="de-DE" sz="2800" b="1" i="1" dirty="0" smtClean="0">
-                <a:latin typeface="Courier New" panose="02070309020205020404" pitchFamily="49" charset="0"/>
-                <a:cs typeface="Courier New" panose="02070309020205020404" pitchFamily="49" charset="0"/>
-              </a:rPr>
-              <a:t>username</a:t>
-            </a:r>
-            <a:r>
-              <a:rPr lang="de-DE" sz="2800" b="1" dirty="0" smtClean="0">
-                <a:latin typeface="Courier New" panose="02070309020205020404" pitchFamily="49" charset="0"/>
-                <a:cs typeface="Courier New" panose="02070309020205020404" pitchFamily="49" charset="0"/>
-              </a:rPr>
-              <a:t>@</a:t>
-            </a:r>
-            <a:r>
-              <a:rPr lang="de-DE" sz="2800" b="1" i="1" dirty="0" smtClean="0">
-                <a:latin typeface="Courier New" panose="02070309020205020404" pitchFamily="49" charset="0"/>
-                <a:cs typeface="Courier New" panose="02070309020205020404" pitchFamily="49" charset="0"/>
-              </a:rPr>
-              <a:t>dnsname</a:t>
-            </a:r>
-            <a:r>
-              <a:rPr lang="de-DE" sz="2800" b="1" dirty="0" smtClean="0">
-                <a:latin typeface="Courier New" panose="02070309020205020404" pitchFamily="49" charset="0"/>
-                <a:cs typeface="Courier New" panose="02070309020205020404" pitchFamily="49" charset="0"/>
-              </a:rPr>
-              <a:t> -p 2200 -L 22375:127.0.0.1:2375</a:t>
-            </a:r>
-            <a:endParaRPr lang="en-US" sz="2800" b="1" dirty="0">
-              <a:gradFill>
-                <a:gsLst>
-                  <a:gs pos="0">
-                    <a:srgbClr val="292929">
-                      <a:lumMod val="90000"/>
-                      <a:lumOff val="10000"/>
-                    </a:srgbClr>
-                  </a:gs>
-                  <a:gs pos="86000">
-                    <a:srgbClr val="292929">
-                      <a:lumMod val="90000"/>
-                      <a:lumOff val="10000"/>
-                    </a:srgbClr>
-                  </a:gs>
-                </a:gsLst>
-                <a:lin ang="5400000" scaled="0"/>
-              </a:gradFill>
-              <a:latin typeface="Courier New" panose="02070309020205020404" pitchFamily="49" charset="0"/>
-              <a:cs typeface="Courier New" panose="02070309020205020404" pitchFamily="49" charset="0"/>
-            </a:endParaRPr>
-          </a:p>
-        </p:txBody>
-      </p:sp>
-      <p:cxnSp>
-        <p:nvCxnSpPr>
-          <p:cNvPr id="5" name="Straight Connector 4"/>
-          <p:cNvCxnSpPr/>
-          <p:nvPr/>
-        </p:nvCxnSpPr>
-        <p:spPr>
-          <a:xfrm>
-            <a:off x="5704568" y="4167682"/>
-            <a:ext cx="9562" cy="536950"/>
-          </a:xfrm>
-          <a:prstGeom prst="line">
-            <a:avLst/>
-          </a:prstGeom>
-          <a:ln w="38100">
-            <a:solidFill>
-              <a:schemeClr val="accent2"/>
-            </a:solidFill>
-          </a:ln>
-        </p:spPr>
-        <p:style>
-          <a:lnRef idx="1">
-            <a:schemeClr val="accent1"/>
-          </a:lnRef>
-          <a:fillRef idx="0">
-            <a:schemeClr val="accent1"/>
-          </a:fillRef>
-          <a:effectRef idx="0">
-            <a:schemeClr val="accent1"/>
-          </a:effectRef>
-          <a:fontRef idx="minor">
-            <a:schemeClr val="tx1"/>
-          </a:fontRef>
-        </p:style>
-      </p:cxnSp>
-      <p:cxnSp>
-        <p:nvCxnSpPr>
-          <p:cNvPr id="6" name="Straight Connector 5"/>
-          <p:cNvCxnSpPr/>
-          <p:nvPr/>
-        </p:nvCxnSpPr>
-        <p:spPr>
-          <a:xfrm>
-            <a:off x="5013192" y="4167682"/>
-            <a:ext cx="1453250" cy="0"/>
-          </a:xfrm>
-          <a:prstGeom prst="line">
-            <a:avLst/>
-          </a:prstGeom>
-          <a:ln w="38100">
-            <a:solidFill>
-              <a:schemeClr val="accent2"/>
-            </a:solidFill>
-          </a:ln>
-        </p:spPr>
-        <p:style>
-          <a:lnRef idx="1">
-            <a:schemeClr val="accent1"/>
-          </a:lnRef>
-          <a:fillRef idx="0">
-            <a:schemeClr val="accent1"/>
-          </a:fillRef>
-          <a:effectRef idx="0">
-            <a:schemeClr val="accent1"/>
-          </a:effectRef>
-          <a:fontRef idx="minor">
-            <a:schemeClr val="tx1"/>
-          </a:fontRef>
-        </p:style>
-      </p:cxnSp>
-      <p:cxnSp>
-        <p:nvCxnSpPr>
-          <p:cNvPr id="7" name="Straight Connector 6"/>
-          <p:cNvCxnSpPr/>
-          <p:nvPr/>
-        </p:nvCxnSpPr>
-        <p:spPr>
-          <a:xfrm>
-            <a:off x="6685875" y="4167682"/>
-            <a:ext cx="4877940" cy="0"/>
-          </a:xfrm>
-          <a:prstGeom prst="line">
-            <a:avLst/>
-          </a:prstGeom>
-          <a:ln w="38100">
-            <a:solidFill>
-              <a:schemeClr val="accent2"/>
-            </a:solidFill>
-          </a:ln>
-        </p:spPr>
-        <p:style>
-          <a:lnRef idx="1">
-            <a:schemeClr val="accent1"/>
-          </a:lnRef>
-          <a:fillRef idx="0">
-            <a:schemeClr val="accent1"/>
-          </a:fillRef>
-          <a:effectRef idx="0">
-            <a:schemeClr val="accent1"/>
-          </a:effectRef>
-          <a:fontRef idx="minor">
-            <a:schemeClr val="tx1"/>
-          </a:fontRef>
-        </p:style>
-      </p:cxnSp>
-      <p:cxnSp>
-        <p:nvCxnSpPr>
-          <p:cNvPr id="8" name="Straight Connector 7"/>
-          <p:cNvCxnSpPr/>
-          <p:nvPr/>
-        </p:nvCxnSpPr>
-        <p:spPr>
-          <a:xfrm>
-            <a:off x="9115283" y="4167682"/>
-            <a:ext cx="9562" cy="536950"/>
-          </a:xfrm>
-          <a:prstGeom prst="line">
-            <a:avLst/>
-          </a:prstGeom>
-          <a:ln w="38100">
-            <a:solidFill>
-              <a:schemeClr val="accent2"/>
-            </a:solidFill>
-          </a:ln>
-        </p:spPr>
-        <p:style>
-          <a:lnRef idx="1">
-            <a:schemeClr val="accent1"/>
-          </a:lnRef>
-          <a:fillRef idx="0">
-            <a:schemeClr val="accent1"/>
-          </a:fillRef>
-          <a:effectRef idx="0">
-            <a:schemeClr val="accent1"/>
-          </a:effectRef>
-          <a:fontRef idx="minor">
-            <a:schemeClr val="tx1"/>
-          </a:fontRef>
-        </p:style>
-      </p:cxnSp>
-      <p:sp>
-        <p:nvSpPr>
-          <p:cNvPr id="9" name="TextBox 8"/>
-          <p:cNvSpPr txBox="1"/>
-          <p:nvPr/>
-        </p:nvSpPr>
-        <p:spPr>
-          <a:xfrm>
-            <a:off x="2779356" y="4927300"/>
-            <a:ext cx="3906519" cy="664797"/>
-          </a:xfrm>
-          <a:prstGeom prst="rect">
-            <a:avLst/>
-          </a:prstGeom>
-          <a:noFill/>
-        </p:spPr>
-        <p:txBody>
-          <a:bodyPr wrap="square" lIns="0" tIns="0" rIns="0" bIns="0" rtlCol="0">
-            <a:spAutoFit/>
-          </a:bodyPr>
-          <a:lstStyle/>
-          <a:p>
-            <a:pPr>
-              <a:lnSpc>
-                <a:spcPct val="90000"/>
-              </a:lnSpc>
-              <a:spcBef>
-                <a:spcPct val="20000"/>
-              </a:spcBef>
-              <a:buSzPct val="80000"/>
-            </a:pPr>
-            <a:r>
-              <a:rPr lang="en-US" sz="2400" dirty="0" smtClean="0">
-                <a:gradFill>
-                  <a:gsLst>
-                    <a:gs pos="0">
-                      <a:srgbClr val="292929">
-                        <a:lumMod val="90000"/>
-                        <a:lumOff val="10000"/>
-                      </a:srgbClr>
-                    </a:gs>
-                    <a:gs pos="86000">
-                      <a:srgbClr val="292929">
-                        <a:lumMod val="90000"/>
-                        <a:lumOff val="10000"/>
-                      </a:srgbClr>
-                    </a:gs>
-                  </a:gsLst>
-                  <a:lin ang="5400000" scaled="0"/>
-                </a:gradFill>
-              </a:rPr>
-              <a:t>Establish SSH connection via port 2200 (default is 22)</a:t>
-            </a:r>
-            <a:endParaRPr lang="en-US" sz="2400" dirty="0">
-              <a:gradFill>
-                <a:gsLst>
-                  <a:gs pos="0">
-                    <a:srgbClr val="292929">
-                      <a:lumMod val="90000"/>
-                      <a:lumOff val="10000"/>
-                    </a:srgbClr>
-                  </a:gs>
-                  <a:gs pos="86000">
-                    <a:srgbClr val="292929">
-                      <a:lumMod val="90000"/>
-                      <a:lumOff val="10000"/>
-                    </a:srgbClr>
-                  </a:gs>
-                </a:gsLst>
-                <a:lin ang="5400000" scaled="0"/>
-              </a:gradFill>
-            </a:endParaRPr>
-          </a:p>
-        </p:txBody>
-      </p:sp>
-      <p:sp>
-        <p:nvSpPr>
-          <p:cNvPr id="10" name="TextBox 9"/>
-          <p:cNvSpPr txBox="1"/>
-          <p:nvPr/>
-        </p:nvSpPr>
-        <p:spPr>
-          <a:xfrm>
-            <a:off x="6938761" y="4927300"/>
-            <a:ext cx="4625054" cy="997196"/>
-          </a:xfrm>
-          <a:prstGeom prst="rect">
-            <a:avLst/>
-          </a:prstGeom>
-          <a:noFill/>
-        </p:spPr>
-        <p:txBody>
-          <a:bodyPr wrap="square" lIns="0" tIns="0" rIns="0" bIns="0" rtlCol="0">
-            <a:spAutoFit/>
-          </a:bodyPr>
-          <a:lstStyle/>
-          <a:p>
-            <a:pPr>
-              <a:lnSpc>
-                <a:spcPct val="90000"/>
-              </a:lnSpc>
-              <a:spcBef>
-                <a:spcPct val="20000"/>
-              </a:spcBef>
-              <a:buSzPct val="80000"/>
-            </a:pPr>
-            <a:r>
-              <a:rPr lang="en-US" sz="2400" dirty="0" smtClean="0">
-                <a:gradFill>
-                  <a:gsLst>
-                    <a:gs pos="0">
-                      <a:srgbClr val="292929">
-                        <a:lumMod val="90000"/>
-                        <a:lumOff val="10000"/>
-                      </a:srgbClr>
-                    </a:gs>
-                    <a:gs pos="86000">
-                      <a:srgbClr val="292929">
-                        <a:lumMod val="90000"/>
-                        <a:lumOff val="10000"/>
-                      </a:srgbClr>
-                    </a:gs>
-                  </a:gsLst>
-                  <a:lin ang="5400000" scaled="0"/>
-                </a:gradFill>
-              </a:rPr>
-              <a:t>Forward commands transmitted through port 22375 by the Docker CLI to port 2375 on the other end</a:t>
-            </a:r>
-            <a:endParaRPr lang="en-US" sz="2400" dirty="0">
-              <a:gradFill>
-                <a:gsLst>
-                  <a:gs pos="0">
-                    <a:srgbClr val="292929">
-                      <a:lumMod val="90000"/>
-                      <a:lumOff val="10000"/>
-                    </a:srgbClr>
-                  </a:gs>
-                  <a:gs pos="86000">
-                    <a:srgbClr val="292929">
-                      <a:lumMod val="90000"/>
-                      <a:lumOff val="10000"/>
-                    </a:srgbClr>
-                  </a:gs>
-                </a:gsLst>
-                <a:lin ang="5400000" scaled="0"/>
-              </a:gradFill>
-            </a:endParaRPr>
-          </a:p>
-        </p:txBody>
-      </p:sp>
+      </p:pic>
     </p:spTree>
     <p:extLst>
       <p:ext uri="{BB962C8B-B14F-4D97-AF65-F5344CB8AC3E}">
-        <p14:creationId xmlns:p14="http://schemas.microsoft.com/office/powerpoint/2010/main" val="684253228"/>
+        <p14:creationId xmlns:p14="http://schemas.microsoft.com/office/powerpoint/2010/main" val="2431715397"/>
       </p:ext>
     </p:extLst>
   </p:cSld>
@@ -16980,6 +17050,589 @@
 </file>
 
 <file path=ppt/slides/slide11.xml><?xml version="1.0" encoding="utf-8"?>
+<p:sld xmlns:a="http://schemas.openxmlformats.org/drawingml/2006/main" xmlns:r="http://schemas.openxmlformats.org/officeDocument/2006/relationships" xmlns:p="http://schemas.openxmlformats.org/presentationml/2006/main">
+  <p:cSld>
+    <p:spTree>
+      <p:nvGrpSpPr>
+        <p:cNvPr id="1" name=""/>
+        <p:cNvGrpSpPr/>
+        <p:nvPr/>
+      </p:nvGrpSpPr>
+      <p:grpSpPr>
+        <a:xfrm>
+          <a:off x="0" y="0"/>
+          <a:ext cx="0" cy="0"/>
+          <a:chOff x="0" y="0"/>
+          <a:chExt cx="0" cy="0"/>
+        </a:xfrm>
+      </p:grpSpPr>
+      <p:sp>
+        <p:nvSpPr>
+          <p:cNvPr id="2" name="Title 1"/>
+          <p:cNvSpPr>
+            <a:spLocks noGrp="1"/>
+          </p:cNvSpPr>
+          <p:nvPr>
+            <p:ph type="title"/>
+          </p:nvPr>
+        </p:nvSpPr>
+        <p:spPr/>
+        <p:txBody>
+          <a:bodyPr/>
+          <a:lstStyle/>
+          <a:p>
+            <a:r>
+              <a:rPr lang="en-US" dirty="0"/>
+              <a:t>Kubernetes</a:t>
+            </a:r>
+          </a:p>
+        </p:txBody>
+      </p:sp>
+      <p:sp>
+        <p:nvSpPr>
+          <p:cNvPr id="3" name="Content Placeholder 2"/>
+          <p:cNvSpPr>
+            <a:spLocks noGrp="1"/>
+          </p:cNvSpPr>
+          <p:nvPr>
+            <p:ph idx="1"/>
+          </p:nvPr>
+        </p:nvSpPr>
+        <p:spPr>
+          <a:xfrm>
+            <a:off x="838200" y="1825625"/>
+            <a:ext cx="10515600" cy="4351338"/>
+          </a:xfrm>
+        </p:spPr>
+        <p:txBody>
+          <a:bodyPr/>
+          <a:lstStyle/>
+          <a:p>
+            <a:r>
+              <a:rPr lang="en-US" dirty="0" smtClean="0"/>
+              <a:t>Open-source orchestration </a:t>
+            </a:r>
+            <a:r>
+              <a:rPr lang="en-US" dirty="0"/>
+              <a:t>e</a:t>
+            </a:r>
+            <a:r>
+              <a:rPr lang="en-US" dirty="0" smtClean="0"/>
+              <a:t>ngine </a:t>
+            </a:r>
+            <a:r>
+              <a:rPr lang="en-US" dirty="0"/>
+              <a:t>from </a:t>
+            </a:r>
+            <a:r>
+              <a:rPr lang="en-US" dirty="0" smtClean="0"/>
+              <a:t>Google</a:t>
+            </a:r>
+            <a:endParaRPr lang="en-US" dirty="0"/>
+          </a:p>
+          <a:p>
+            <a:r>
+              <a:rPr lang="en-US" dirty="0" smtClean="0"/>
+              <a:t>Provides a </a:t>
+            </a:r>
+            <a:r>
+              <a:rPr lang="en-US" dirty="0"/>
+              <a:t>robust framework </a:t>
+            </a:r>
+            <a:r>
+              <a:rPr lang="en-US" dirty="0" smtClean="0"/>
+              <a:t>for container </a:t>
+            </a:r>
+            <a:r>
+              <a:rPr lang="en-US" dirty="0"/>
+              <a:t>orchestration, yet remains lightweight and </a:t>
+            </a:r>
+            <a:r>
+              <a:rPr lang="en-US" dirty="0" smtClean="0"/>
+              <a:t>scalable</a:t>
+            </a:r>
+            <a:endParaRPr lang="en-US" dirty="0"/>
+          </a:p>
+          <a:p>
+            <a:r>
+              <a:rPr lang="en-US" dirty="0" smtClean="0"/>
+              <a:t>Supported by </a:t>
+            </a:r>
+            <a:r>
+              <a:rPr lang="en-US" dirty="0" smtClean="0"/>
+              <a:t>Azure </a:t>
+            </a:r>
+            <a:r>
+              <a:rPr lang="en-US" dirty="0"/>
+              <a:t>Container </a:t>
+            </a:r>
+            <a:r>
+              <a:rPr lang="en-US" dirty="0" smtClean="0"/>
+              <a:t>Service and tightly integrated with ACS, allowing Kubernetes to modify deployments</a:t>
+            </a:r>
+            <a:endParaRPr lang="en-US" dirty="0"/>
+          </a:p>
+          <a:p>
+            <a:endParaRPr lang="en-US" dirty="0"/>
+          </a:p>
+        </p:txBody>
+      </p:sp>
+      <p:pic>
+        <p:nvPicPr>
+          <p:cNvPr id="1026" name="Picture 2" descr="Image result for kubernetes logo"/>
+          <p:cNvPicPr>
+            <a:picLocks noChangeAspect="1" noChangeArrowheads="1"/>
+          </p:cNvPicPr>
+          <p:nvPr/>
+        </p:nvPicPr>
+        <p:blipFill>
+          <a:blip r:embed="rId3">
+            <a:extLst>
+              <a:ext uri="{28A0092B-C50C-407E-A947-70E740481C1C}">
+                <a14:useLocalDpi xmlns:a14="http://schemas.microsoft.com/office/drawing/2010/main" val="0"/>
+              </a:ext>
+            </a:extLst>
+          </a:blip>
+          <a:srcRect/>
+          <a:stretch>
+            <a:fillRect/>
+          </a:stretch>
+        </p:blipFill>
+        <p:spPr bwMode="auto">
+          <a:xfrm>
+            <a:off x="2986087" y="4652963"/>
+            <a:ext cx="6219825" cy="1524000"/>
+          </a:xfrm>
+          <a:prstGeom prst="rect">
+            <a:avLst/>
+          </a:prstGeom>
+          <a:noFill/>
+          <a:extLst>
+            <a:ext uri="{909E8E84-426E-40DD-AFC4-6F175D3DCCD1}">
+              <a14:hiddenFill xmlns:a14="http://schemas.microsoft.com/office/drawing/2010/main">
+                <a:solidFill>
+                  <a:srgbClr val="FFFFFF"/>
+                </a:solidFill>
+              </a14:hiddenFill>
+            </a:ext>
+          </a:extLst>
+        </p:spPr>
+      </p:pic>
+    </p:spTree>
+    <p:extLst>
+      <p:ext uri="{BB962C8B-B14F-4D97-AF65-F5344CB8AC3E}">
+        <p14:creationId xmlns:p14="http://schemas.microsoft.com/office/powerpoint/2010/main" val="1079846570"/>
+      </p:ext>
+    </p:extLst>
+  </p:cSld>
+  <p:clrMapOvr>
+    <a:masterClrMapping/>
+  </p:clrMapOvr>
+</p:sld>
+</file>
+
+<file path=ppt/slides/slide12.xml><?xml version="1.0" encoding="utf-8"?>
+<p:sld xmlns:a="http://schemas.openxmlformats.org/drawingml/2006/main" xmlns:r="http://schemas.openxmlformats.org/officeDocument/2006/relationships" xmlns:p="http://schemas.openxmlformats.org/presentationml/2006/main">
+  <p:cSld>
+    <p:spTree>
+      <p:nvGrpSpPr>
+        <p:cNvPr id="1" name=""/>
+        <p:cNvGrpSpPr/>
+        <p:nvPr/>
+      </p:nvGrpSpPr>
+      <p:grpSpPr>
+        <a:xfrm>
+          <a:off x="0" y="0"/>
+          <a:ext cx="0" cy="0"/>
+          <a:chOff x="0" y="0"/>
+          <a:chExt cx="0" cy="0"/>
+        </a:xfrm>
+      </p:grpSpPr>
+      <p:sp>
+        <p:nvSpPr>
+          <p:cNvPr id="2" name="Title 1"/>
+          <p:cNvSpPr>
+            <a:spLocks noGrp="1"/>
+          </p:cNvSpPr>
+          <p:nvPr>
+            <p:ph type="title"/>
+          </p:nvPr>
+        </p:nvSpPr>
+        <p:spPr/>
+        <p:txBody>
+          <a:bodyPr/>
+          <a:lstStyle/>
+          <a:p>
+            <a:r>
+              <a:rPr lang="en-US" dirty="0"/>
+              <a:t>DC/OS</a:t>
+            </a:r>
+          </a:p>
+        </p:txBody>
+      </p:sp>
+      <p:sp>
+        <p:nvSpPr>
+          <p:cNvPr id="3" name="Content Placeholder 2"/>
+          <p:cNvSpPr>
+            <a:spLocks noGrp="1"/>
+          </p:cNvSpPr>
+          <p:nvPr>
+            <p:ph idx="1"/>
+          </p:nvPr>
+        </p:nvSpPr>
+        <p:spPr>
+          <a:xfrm>
+            <a:off x="838200" y="1825625"/>
+            <a:ext cx="10515600" cy="4351338"/>
+          </a:xfrm>
+        </p:spPr>
+        <p:txBody>
+          <a:bodyPr/>
+          <a:lstStyle/>
+          <a:p>
+            <a:r>
+              <a:rPr lang="en-US" dirty="0" smtClean="0"/>
+              <a:t>Datacenter </a:t>
+            </a:r>
+            <a:r>
+              <a:rPr lang="en-US" dirty="0"/>
+              <a:t>Operating </a:t>
+            </a:r>
+            <a:r>
+              <a:rPr lang="en-US" dirty="0"/>
+              <a:t>System </a:t>
+            </a:r>
+            <a:r>
+              <a:rPr lang="en-US" dirty="0" smtClean="0"/>
+              <a:t>built on </a:t>
+            </a:r>
+            <a:r>
+              <a:rPr lang="en-US" dirty="0"/>
+              <a:t>Apache </a:t>
+            </a:r>
+            <a:r>
+              <a:rPr lang="en-US" dirty="0" err="1"/>
+              <a:t>Mesos</a:t>
+            </a:r>
+            <a:r>
+              <a:rPr lang="en-US" dirty="0"/>
+              <a:t> </a:t>
+            </a:r>
+            <a:endParaRPr lang="en-US" dirty="0" smtClean="0"/>
+          </a:p>
+          <a:p>
+            <a:r>
+              <a:rPr lang="en-US" dirty="0" smtClean="0"/>
+              <a:t>Creates logical data centers and abstracts underlying hardware</a:t>
+            </a:r>
+          </a:p>
+          <a:p>
+            <a:r>
+              <a:rPr lang="en-US" dirty="0" smtClean="0"/>
+              <a:t>Provides </a:t>
+            </a:r>
+            <a:r>
+              <a:rPr lang="en-US" dirty="0"/>
+              <a:t>resources traditionally provided by infrastructure, including networking, DNS, and load balancing</a:t>
+            </a:r>
+          </a:p>
+          <a:p>
+            <a:r>
+              <a:rPr lang="en-US" dirty="0" smtClean="0"/>
+              <a:t>Natively supported by Azure Container Service</a:t>
+            </a:r>
+            <a:endParaRPr lang="en-US" dirty="0"/>
+          </a:p>
+          <a:p>
+            <a:endParaRPr lang="en-US" dirty="0"/>
+          </a:p>
+        </p:txBody>
+      </p:sp>
+      <p:pic>
+        <p:nvPicPr>
+          <p:cNvPr id="2050" name="Picture 2" descr="Image result for DC/OS logo"/>
+          <p:cNvPicPr>
+            <a:picLocks noChangeAspect="1" noChangeArrowheads="1"/>
+          </p:cNvPicPr>
+          <p:nvPr/>
+        </p:nvPicPr>
+        <p:blipFill>
+          <a:blip r:embed="rId3" cstate="print">
+            <a:extLst>
+              <a:ext uri="{28A0092B-C50C-407E-A947-70E740481C1C}">
+                <a14:useLocalDpi xmlns:a14="http://schemas.microsoft.com/office/drawing/2010/main" val="0"/>
+              </a:ext>
+            </a:extLst>
+          </a:blip>
+          <a:srcRect/>
+          <a:stretch>
+            <a:fillRect/>
+          </a:stretch>
+        </p:blipFill>
+        <p:spPr bwMode="auto">
+          <a:xfrm>
+            <a:off x="3891910" y="4730936"/>
+            <a:ext cx="3568601" cy="1446027"/>
+          </a:xfrm>
+          <a:prstGeom prst="rect">
+            <a:avLst/>
+          </a:prstGeom>
+          <a:noFill/>
+          <a:extLst>
+            <a:ext uri="{909E8E84-426E-40DD-AFC4-6F175D3DCCD1}">
+              <a14:hiddenFill xmlns:a14="http://schemas.microsoft.com/office/drawing/2010/main">
+                <a:solidFill>
+                  <a:srgbClr val="FFFFFF"/>
+                </a:solidFill>
+              </a14:hiddenFill>
+            </a:ext>
+          </a:extLst>
+        </p:spPr>
+      </p:pic>
+    </p:spTree>
+    <p:extLst>
+      <p:ext uri="{BB962C8B-B14F-4D97-AF65-F5344CB8AC3E}">
+        <p14:creationId xmlns:p14="http://schemas.microsoft.com/office/powerpoint/2010/main" val="555707"/>
+      </p:ext>
+    </p:extLst>
+  </p:cSld>
+  <p:clrMapOvr>
+    <a:masterClrMapping/>
+  </p:clrMapOvr>
+</p:sld>
+</file>
+
+<file path=ppt/slides/slide13.xml><?xml version="1.0" encoding="utf-8"?>
+<p:sld xmlns:a="http://schemas.openxmlformats.org/drawingml/2006/main" xmlns:r="http://schemas.openxmlformats.org/officeDocument/2006/relationships" xmlns:p="http://schemas.openxmlformats.org/presentationml/2006/main">
+  <p:cSld>
+    <p:spTree>
+      <p:nvGrpSpPr>
+        <p:cNvPr id="1" name=""/>
+        <p:cNvGrpSpPr/>
+        <p:nvPr/>
+      </p:nvGrpSpPr>
+      <p:grpSpPr>
+        <a:xfrm>
+          <a:off x="0" y="0"/>
+          <a:ext cx="0" cy="0"/>
+          <a:chOff x="0" y="0"/>
+          <a:chExt cx="0" cy="0"/>
+        </a:xfrm>
+      </p:grpSpPr>
+      <p:sp>
+        <p:nvSpPr>
+          <p:cNvPr id="2" name="Title 1"/>
+          <p:cNvSpPr>
+            <a:spLocks noGrp="1"/>
+          </p:cNvSpPr>
+          <p:nvPr>
+            <p:ph type="title"/>
+          </p:nvPr>
+        </p:nvSpPr>
+        <p:spPr/>
+        <p:txBody>
+          <a:bodyPr/>
+          <a:lstStyle/>
+          <a:p>
+            <a:r>
+              <a:rPr lang="en-US" dirty="0" smtClean="0"/>
+              <a:t>Docker Swarm</a:t>
+            </a:r>
+            <a:endParaRPr lang="en-US" dirty="0"/>
+          </a:p>
+        </p:txBody>
+      </p:sp>
+      <p:sp>
+        <p:nvSpPr>
+          <p:cNvPr id="3" name="Content Placeholder 2"/>
+          <p:cNvSpPr>
+            <a:spLocks noGrp="1"/>
+          </p:cNvSpPr>
+          <p:nvPr>
+            <p:ph idx="1"/>
+          </p:nvPr>
+        </p:nvSpPr>
+        <p:spPr>
+          <a:xfrm>
+            <a:off x="742506" y="1974480"/>
+            <a:ext cx="7008629" cy="3852162"/>
+          </a:xfrm>
+        </p:spPr>
+        <p:txBody>
+          <a:bodyPr>
+            <a:normAutofit fontScale="92500" lnSpcReduction="10000"/>
+          </a:bodyPr>
+          <a:lstStyle/>
+          <a:p>
+            <a:pPr>
+              <a:lnSpc>
+                <a:spcPct val="100000"/>
+              </a:lnSpc>
+            </a:pPr>
+            <a:r>
+              <a:rPr lang="en-US" dirty="0"/>
+              <a:t>Docker’s </a:t>
+            </a:r>
+            <a:r>
+              <a:rPr lang="en-US" dirty="0"/>
+              <a:t>own </a:t>
+            </a:r>
+            <a:r>
+              <a:rPr lang="en-US" dirty="0"/>
+              <a:t>orchestration engine</a:t>
+            </a:r>
+          </a:p>
+          <a:p>
+            <a:pPr>
+              <a:lnSpc>
+                <a:spcPct val="100000"/>
+              </a:lnSpc>
+            </a:pPr>
+            <a:r>
+              <a:rPr lang="en-US" dirty="0"/>
+              <a:t>Current </a:t>
+            </a:r>
+            <a:r>
+              <a:rPr lang="en-US" dirty="0"/>
+              <a:t>releases of the Docker engine have “Swarm Mode” built in </a:t>
+            </a:r>
+            <a:r>
+              <a:rPr lang="en-US" dirty="0"/>
+              <a:t>and can many </a:t>
+            </a:r>
+            <a:r>
+              <a:rPr lang="en-US" dirty="0"/>
+              <a:t>of the same </a:t>
+            </a:r>
+            <a:r>
+              <a:rPr lang="en-US" dirty="0"/>
+              <a:t>things </a:t>
+            </a:r>
+            <a:r>
+              <a:rPr lang="en-US" dirty="0"/>
+              <a:t>that other orchestration engines </a:t>
+            </a:r>
+            <a:r>
+              <a:rPr lang="en-US" dirty="0"/>
+              <a:t>do</a:t>
+            </a:r>
+            <a:endParaRPr lang="en-US" dirty="0"/>
+          </a:p>
+          <a:p>
+            <a:pPr>
+              <a:lnSpc>
+                <a:spcPct val="100000"/>
+              </a:lnSpc>
+            </a:pPr>
+            <a:r>
+              <a:rPr lang="en-US" dirty="0"/>
+              <a:t> </a:t>
+            </a:r>
+            <a:r>
+              <a:rPr lang="en-US" dirty="0"/>
+              <a:t>Lacks </a:t>
+            </a:r>
+            <a:r>
+              <a:rPr lang="en-US" dirty="0"/>
+              <a:t>a GUI, </a:t>
+            </a:r>
+            <a:r>
+              <a:rPr lang="en-US" dirty="0"/>
+              <a:t>but makes </a:t>
+            </a:r>
+            <a:r>
+              <a:rPr lang="en-US" dirty="0"/>
+              <a:t>up for it with </a:t>
+            </a:r>
+            <a:r>
+              <a:rPr lang="en-US" dirty="0"/>
+              <a:t>tight </a:t>
+            </a:r>
+            <a:r>
+              <a:rPr lang="en-US" dirty="0"/>
+              <a:t>integration with </a:t>
+            </a:r>
+            <a:r>
+              <a:rPr lang="en-US" dirty="0"/>
+              <a:t>Docker</a:t>
+            </a:r>
+          </a:p>
+          <a:p>
+            <a:pPr>
+              <a:lnSpc>
+                <a:spcPct val="100000"/>
+              </a:lnSpc>
+            </a:pPr>
+            <a:r>
+              <a:rPr lang="en-US" dirty="0"/>
+              <a:t>Natively supported by Azure Container </a:t>
+            </a:r>
+            <a:r>
+              <a:rPr lang="en-US" dirty="0"/>
+              <a:t>Service</a:t>
+            </a:r>
+            <a:endParaRPr lang="en-US" dirty="0"/>
+          </a:p>
+          <a:p>
+            <a:endParaRPr lang="en-US" dirty="0"/>
+          </a:p>
+        </p:txBody>
+      </p:sp>
+      <p:pic>
+        <p:nvPicPr>
+          <p:cNvPr id="3074" name="Picture 2" descr="Image result for docker swarm logo"/>
+          <p:cNvPicPr>
+            <a:picLocks noChangeAspect="1" noChangeArrowheads="1"/>
+          </p:cNvPicPr>
+          <p:nvPr/>
+        </p:nvPicPr>
+        <p:blipFill>
+          <a:blip r:embed="rId3" cstate="print">
+            <a:extLst>
+              <a:ext uri="{28A0092B-C50C-407E-A947-70E740481C1C}">
+                <a14:useLocalDpi xmlns:a14="http://schemas.microsoft.com/office/drawing/2010/main" val="0"/>
+              </a:ext>
+            </a:extLst>
+          </a:blip>
+          <a:srcRect/>
+          <a:stretch>
+            <a:fillRect/>
+          </a:stretch>
+        </p:blipFill>
+        <p:spPr bwMode="auto">
+          <a:xfrm>
+            <a:off x="7751135" y="1974480"/>
+            <a:ext cx="4162666" cy="3466214"/>
+          </a:xfrm>
+          <a:prstGeom prst="rect">
+            <a:avLst/>
+          </a:prstGeom>
+          <a:noFill/>
+          <a:extLst>
+            <a:ext uri="{909E8E84-426E-40DD-AFC4-6F175D3DCCD1}">
+              <a14:hiddenFill xmlns:a14="http://schemas.microsoft.com/office/drawing/2010/main">
+                <a:solidFill>
+                  <a:srgbClr val="FFFFFF"/>
+                </a:solidFill>
+              </a14:hiddenFill>
+            </a:ext>
+          </a:extLst>
+        </p:spPr>
+      </p:pic>
+    </p:spTree>
+    <p:extLst>
+      <p:ext uri="{BB962C8B-B14F-4D97-AF65-F5344CB8AC3E}">
+        <p14:creationId xmlns:p14="http://schemas.microsoft.com/office/powerpoint/2010/main" val="3418636117"/>
+      </p:ext>
+    </p:extLst>
+  </p:cSld>
+  <p:clrMapOvr>
+    <a:masterClrMapping/>
+  </p:clrMapOvr>
+</p:sld>
+</file>
+
+<file path=ppt/slides/slide14.xml><?xml version="1.0" encoding="utf-8"?>
 <p:sld xmlns:a="http://schemas.openxmlformats.org/drawingml/2006/main" xmlns:r="http://schemas.openxmlformats.org/officeDocument/2006/relationships" xmlns:p="http://schemas.openxmlformats.org/presentationml/2006/main">
   <p:cSld>
     <p:spTree>
@@ -19933,46 +20586,119 @@
           <a:p>
             <a:r>
               <a:rPr lang="en-US" dirty="0" smtClean="0"/>
-              <a:t>Clustering with Docker Swarm</a:t>
+              <a:t>Container Orchestration</a:t>
             </a:r>
             <a:endParaRPr lang="en-US" dirty="0"/>
           </a:p>
         </p:txBody>
       </p:sp>
-      <p:pic>
-        <p:nvPicPr>
-          <p:cNvPr id="4" name="Picture 3"/>
-          <p:cNvPicPr>
-            <a:picLocks noChangeAspect="1"/>
-          </p:cNvPicPr>
-          <p:nvPr/>
-        </p:nvPicPr>
-        <p:blipFill>
-          <a:blip r:embed="rId3">
-            <a:extLst>
-              <a:ext uri="{28A0092B-C50C-407E-A947-70E740481C1C}">
-                <a14:useLocalDpi xmlns:a14="http://schemas.microsoft.com/office/drawing/2010/main" val="0"/>
-              </a:ext>
-            </a:extLst>
-          </a:blip>
-          <a:stretch>
-            <a:fillRect/>
-          </a:stretch>
-        </p:blipFill>
+      <p:sp>
+        <p:nvSpPr>
+          <p:cNvPr id="3" name="Content Placeholder 2"/>
+          <p:cNvSpPr>
+            <a:spLocks noGrp="1"/>
+          </p:cNvSpPr>
+          <p:nvPr>
+            <p:ph idx="1"/>
+          </p:nvPr>
+        </p:nvSpPr>
         <p:spPr>
           <a:xfrm>
-            <a:off x="2352325" y="2004044"/>
-            <a:ext cx="7487349" cy="3850346"/>
+            <a:off x="838200" y="1825625"/>
+            <a:ext cx="10515600" cy="4351338"/>
           </a:xfrm>
-          <a:prstGeom prst="rect">
-            <a:avLst/>
-          </a:prstGeom>
         </p:spPr>
-      </p:pic>
+        <p:txBody>
+          <a:bodyPr/>
+          <a:lstStyle/>
+          <a:p>
+            <a:r>
+              <a:rPr lang="en-US" dirty="0" smtClean="0"/>
+              <a:t>Facilitates </a:t>
+            </a:r>
+            <a:r>
+              <a:rPr lang="en-US" dirty="0" smtClean="0"/>
+              <a:t>deployment </a:t>
+            </a:r>
+            <a:r>
+              <a:rPr lang="en-US" dirty="0"/>
+              <a:t>and management of </a:t>
+            </a:r>
+            <a:r>
+              <a:rPr lang="en-US" dirty="0" smtClean="0"/>
+              <a:t>containers</a:t>
+            </a:r>
+          </a:p>
+          <a:p>
+            <a:r>
+              <a:rPr lang="en-US" dirty="0" smtClean="0"/>
+              <a:t>Containers </a:t>
+            </a:r>
+            <a:r>
+              <a:rPr lang="en-US" dirty="0"/>
+              <a:t>by design are intended to be deployed in large volumes with some applications using </a:t>
+            </a:r>
+            <a:r>
+              <a:rPr lang="en-US" dirty="0" smtClean="0"/>
+              <a:t>dozens </a:t>
+            </a:r>
+            <a:r>
+              <a:rPr lang="en-US" dirty="0"/>
+              <a:t>to even thousands of </a:t>
+            </a:r>
+            <a:r>
+              <a:rPr lang="en-US" dirty="0" smtClean="0"/>
+              <a:t>containers</a:t>
+            </a:r>
+            <a:endParaRPr lang="en-US" dirty="0"/>
+          </a:p>
+          <a:p>
+            <a:r>
+              <a:rPr lang="en-US" dirty="0"/>
+              <a:t>With this type of scale, automating </a:t>
+            </a:r>
+            <a:r>
+              <a:rPr lang="en-US" dirty="0" smtClean="0"/>
+              <a:t>container deployment </a:t>
+            </a:r>
+            <a:r>
+              <a:rPr lang="en-US" dirty="0"/>
+              <a:t>and management </a:t>
+            </a:r>
+            <a:r>
+              <a:rPr lang="en-US" dirty="0" smtClean="0"/>
+              <a:t>with orchestration </a:t>
+            </a:r>
+            <a:r>
+              <a:rPr lang="en-US" dirty="0"/>
+              <a:t>s</a:t>
+            </a:r>
+            <a:r>
+              <a:rPr lang="en-US" dirty="0" smtClean="0"/>
+              <a:t>oftware </a:t>
+            </a:r>
+            <a:r>
+              <a:rPr lang="en-US" dirty="0"/>
+              <a:t>becomes </a:t>
+            </a:r>
+            <a:r>
+              <a:rPr lang="en-US" dirty="0" smtClean="0"/>
+              <a:t>necessary</a:t>
+            </a:r>
+          </a:p>
+          <a:p>
+            <a:r>
+              <a:rPr lang="en-US" dirty="0" smtClean="0"/>
+              <a:t>Azure Container service supports Kubernetes, DC/OS, and Docker Swarm</a:t>
+            </a:r>
+            <a:endParaRPr lang="en-US" dirty="0"/>
+          </a:p>
+        </p:txBody>
+      </p:sp>
     </p:spTree>
     <p:extLst>
       <p:ext uri="{BB962C8B-B14F-4D97-AF65-F5344CB8AC3E}">
-        <p14:creationId xmlns:p14="http://schemas.microsoft.com/office/powerpoint/2010/main" val="1442308448"/>
+        <p14:creationId xmlns:p14="http://schemas.microsoft.com/office/powerpoint/2010/main" val="2994962662"/>
       </p:ext>
     </p:extLst>
   </p:cSld>
